--- a/PROJET RESERVIA.pptx
+++ b/PROJET RESERVIA.pptx
@@ -263,7 +263,7 @@
           <a:p>
             <a:fld id="{48A87A34-81AB-432B-8DAE-1953F412C126}" type="datetimeFigureOut">
               <a:rPr lang="en-US" dirty="0"/>
-              <a:t>5/20/2021</a:t>
+              <a:t>7/30/2021</a:t>
             </a:fld>
             <a:endParaRPr lang="en-US" dirty="0"/>
           </a:p>
@@ -469,7 +469,7 @@
           <a:p>
             <a:fld id="{48A87A34-81AB-432B-8DAE-1953F412C126}" type="datetimeFigureOut">
               <a:rPr lang="en-US" dirty="0"/>
-              <a:t>5/20/2021</a:t>
+              <a:t>7/30/2021</a:t>
             </a:fld>
             <a:endParaRPr lang="en-US" dirty="0"/>
           </a:p>
@@ -679,7 +679,7 @@
           <a:p>
             <a:fld id="{48A87A34-81AB-432B-8DAE-1953F412C126}" type="datetimeFigureOut">
               <a:rPr lang="en-US" dirty="0"/>
-              <a:t>5/20/2021</a:t>
+              <a:t>7/30/2021</a:t>
             </a:fld>
             <a:endParaRPr lang="en-US" dirty="0"/>
           </a:p>
@@ -875,7 +875,7 @@
           <a:p>
             <a:fld id="{48A87A34-81AB-432B-8DAE-1953F412C126}" type="datetimeFigureOut">
               <a:rPr lang="en-US" dirty="0"/>
-              <a:t>5/20/2021</a:t>
+              <a:t>7/30/2021</a:t>
             </a:fld>
             <a:endParaRPr lang="en-US" dirty="0"/>
           </a:p>
@@ -1149,7 +1149,7 @@
           <a:p>
             <a:fld id="{48A87A34-81AB-432B-8DAE-1953F412C126}" type="datetimeFigureOut">
               <a:rPr lang="en-US" dirty="0"/>
-              <a:t>5/20/2021</a:t>
+              <a:t>7/30/2021</a:t>
             </a:fld>
             <a:endParaRPr lang="en-US" dirty="0"/>
           </a:p>
@@ -1412,7 +1412,7 @@
           <a:p>
             <a:fld id="{48A87A34-81AB-432B-8DAE-1953F412C126}" type="datetimeFigureOut">
               <a:rPr lang="en-US" dirty="0"/>
-              <a:t>5/20/2021</a:t>
+              <a:t>7/30/2021</a:t>
             </a:fld>
             <a:endParaRPr lang="en-US" dirty="0"/>
           </a:p>
@@ -1823,7 +1823,7 @@
           <a:p>
             <a:fld id="{48A87A34-81AB-432B-8DAE-1953F412C126}" type="datetimeFigureOut">
               <a:rPr lang="en-US" dirty="0"/>
-              <a:t>5/20/2021</a:t>
+              <a:t>7/30/2021</a:t>
             </a:fld>
             <a:endParaRPr lang="en-US" dirty="0"/>
           </a:p>
@@ -1967,7 +1967,7 @@
           <a:p>
             <a:fld id="{48A87A34-81AB-432B-8DAE-1953F412C126}" type="datetimeFigureOut">
               <a:rPr lang="en-US" dirty="0"/>
-              <a:t>5/20/2021</a:t>
+              <a:t>7/30/2021</a:t>
             </a:fld>
             <a:endParaRPr lang="en-US" dirty="0"/>
           </a:p>
@@ -2088,7 +2088,7 @@
           <a:p>
             <a:fld id="{48A87A34-81AB-432B-8DAE-1953F412C126}" type="datetimeFigureOut">
               <a:rPr lang="en-US" dirty="0"/>
-              <a:t>5/20/2021</a:t>
+              <a:t>7/30/2021</a:t>
             </a:fld>
             <a:endParaRPr lang="en-US" dirty="0"/>
           </a:p>
@@ -2334,7 +2334,7 @@
           <a:p>
             <a:fld id="{48A87A34-81AB-432B-8DAE-1953F412C126}" type="datetimeFigureOut">
               <a:rPr lang="en-US" dirty="0"/>
-              <a:t>5/20/2021</a:t>
+              <a:t>7/30/2021</a:t>
             </a:fld>
             <a:endParaRPr lang="en-US" dirty="0"/>
           </a:p>
@@ -2775,7 +2775,7 @@
             <a:fld id="{48A87A34-81AB-432B-8DAE-1953F412C126}" type="datetimeFigureOut">
               <a:rPr lang="en-US" dirty="0"/>
               <a:pPr/>
-              <a:t>5/20/2021</a:t>
+              <a:t>7/30/2021</a:t>
             </a:fld>
             <a:endParaRPr lang="en-US" dirty="0"/>
           </a:p>
@@ -3097,7 +3097,7 @@
             <a:fld id="{48A87A34-81AB-432B-8DAE-1953F412C126}" type="datetimeFigureOut">
               <a:rPr lang="en-US" dirty="0"/>
               <a:pPr/>
-              <a:t>5/20/2021</a:t>
+              <a:t>7/30/2021</a:t>
             </a:fld>
             <a:endParaRPr lang="en-US" dirty="0"/>
           </a:p>
@@ -3993,8 +3993,43 @@
           <a:p>
             <a:r>
               <a:rPr lang="fr-FR" dirty="0" smtClean="0"/>
-              <a:t>L’utilisation de git à été remplacée par la console de VS CODE</a:t>
-            </a:r>
+              <a:t>Retard cumulé du a plusieurs facteurs. </a:t>
+            </a:r>
+          </a:p>
+          <a:p>
+            <a:r>
+              <a:rPr lang="fr-FR" dirty="0" smtClean="0"/>
+              <a:t>Création d’un site sur </a:t>
+            </a:r>
+            <a:r>
+              <a:rPr lang="fr-FR" dirty="0" err="1" smtClean="0"/>
+              <a:t>wordpress</a:t>
+            </a:r>
+            <a:r>
+              <a:rPr lang="fr-FR" dirty="0" smtClean="0"/>
+              <a:t> pour mon entreprise</a:t>
+            </a:r>
+          </a:p>
+          <a:p>
+            <a:r>
+              <a:rPr lang="fr-FR" dirty="0" smtClean="0"/>
+              <a:t>Alternance avec une partie commerciale prenante</a:t>
+            </a:r>
+          </a:p>
+          <a:p>
+            <a:r>
+              <a:rPr lang="fr-FR" dirty="0" smtClean="0"/>
+              <a:t>1</a:t>
+            </a:r>
+            <a:r>
+              <a:rPr lang="fr-FR" baseline="30000" dirty="0" smtClean="0"/>
+              <a:t>er</a:t>
+            </a:r>
+            <a:r>
+              <a:rPr lang="fr-FR" dirty="0" smtClean="0"/>
+              <a:t> coach qui manquait de pédagogie</a:t>
+            </a:r>
+            <a:endParaRPr lang="fr-FR" dirty="0" smtClean="0"/>
           </a:p>
           <a:p>
             <a:endParaRPr lang="fr-FR" dirty="0" smtClean="0"/>
